--- a/docs/DNewProject.pptx
+++ b/docs/DNewProject.pptx
@@ -5,7 +5,7 @@
     <p:sldMasterId id="2147483850" r:id="rId4"/>
   </p:sldMasterIdLst>
   <p:notesMasterIdLst>
-    <p:notesMasterId r:id="rId31"/>
+    <p:notesMasterId r:id="rId32"/>
   </p:notesMasterIdLst>
   <p:sldIdLst>
     <p:sldId id="300" r:id="rId5"/>
@@ -21,19 +21,20 @@
     <p:sldId id="305" r:id="rId15"/>
     <p:sldId id="306" r:id="rId16"/>
     <p:sldId id="307" r:id="rId17"/>
-    <p:sldId id="262" r:id="rId18"/>
-    <p:sldId id="316" r:id="rId19"/>
-    <p:sldId id="314" r:id="rId20"/>
-    <p:sldId id="317" r:id="rId21"/>
-    <p:sldId id="315" r:id="rId22"/>
-    <p:sldId id="318" r:id="rId23"/>
-    <p:sldId id="319" r:id="rId24"/>
-    <p:sldId id="320" r:id="rId25"/>
-    <p:sldId id="321" r:id="rId26"/>
-    <p:sldId id="322" r:id="rId27"/>
-    <p:sldId id="323" r:id="rId28"/>
-    <p:sldId id="324" r:id="rId29"/>
-    <p:sldId id="301" r:id="rId30"/>
+    <p:sldId id="346" r:id="rId18"/>
+    <p:sldId id="262" r:id="rId19"/>
+    <p:sldId id="316" r:id="rId20"/>
+    <p:sldId id="314" r:id="rId21"/>
+    <p:sldId id="317" r:id="rId22"/>
+    <p:sldId id="315" r:id="rId23"/>
+    <p:sldId id="318" r:id="rId24"/>
+    <p:sldId id="319" r:id="rId25"/>
+    <p:sldId id="320" r:id="rId26"/>
+    <p:sldId id="321" r:id="rId27"/>
+    <p:sldId id="322" r:id="rId28"/>
+    <p:sldId id="323" r:id="rId29"/>
+    <p:sldId id="324" r:id="rId30"/>
+    <p:sldId id="301" r:id="rId31"/>
   </p:sldIdLst>
   <p:sldSz cx="12192000" cy="6858000"/>
   <p:notesSz cx="6858000" cy="9144000"/>
@@ -222,7 +223,7 @@
           <a:p>
             <a:fld id="{4D2A5A54-57FA-4281-A6F5-1860CF48FA07}" type="datetimeFigureOut">
               <a:rPr lang="en-US" smtClean="0"/>
-              <a:t>11/18/2019</a:t>
+              <a:t>1/7/2020</a:t>
             </a:fld>
             <a:endParaRPr lang="en-US"/>
           </a:p>
@@ -722,7 +723,7 @@
           <a:p>
             <a:fld id="{5F42FD7F-75AC-4945-AADB-25D3D632370D}" type="slidenum">
               <a:rPr lang="en-US" smtClean="0"/>
-              <a:t>14</a:t>
+              <a:t>15</a:t>
             </a:fld>
             <a:endParaRPr lang="en-US"/>
           </a:p>
@@ -811,7 +812,7 @@
           <a:p>
             <a:fld id="{5F42FD7F-75AC-4945-AADB-25D3D632370D}" type="slidenum">
               <a:rPr lang="en-US" smtClean="0"/>
-              <a:t>16</a:t>
+              <a:t>17</a:t>
             </a:fld>
             <a:endParaRPr lang="en-US"/>
           </a:p>
@@ -900,7 +901,7 @@
           <a:p>
             <a:fld id="{5F42FD7F-75AC-4945-AADB-25D3D632370D}" type="slidenum">
               <a:rPr lang="en-US" smtClean="0"/>
-              <a:t>17</a:t>
+              <a:t>18</a:t>
             </a:fld>
             <a:endParaRPr lang="en-US"/>
           </a:p>
@@ -984,7 +985,7 @@
           <a:p>
             <a:fld id="{5F42FD7F-75AC-4945-AADB-25D3D632370D}" type="slidenum">
               <a:rPr lang="en-US" smtClean="0"/>
-              <a:t>18</a:t>
+              <a:t>19</a:t>
             </a:fld>
             <a:endParaRPr lang="en-US"/>
           </a:p>
@@ -1068,7 +1069,7 @@
           <a:p>
             <a:fld id="{5F42FD7F-75AC-4945-AADB-25D3D632370D}" type="slidenum">
               <a:rPr lang="en-US" smtClean="0"/>
-              <a:t>19</a:t>
+              <a:t>20</a:t>
             </a:fld>
             <a:endParaRPr lang="en-US"/>
           </a:p>
@@ -1152,7 +1153,7 @@
           <a:p>
             <a:fld id="{5F42FD7F-75AC-4945-AADB-25D3D632370D}" type="slidenum">
               <a:rPr lang="en-US" smtClean="0"/>
-              <a:t>20</a:t>
+              <a:t>21</a:t>
             </a:fld>
             <a:endParaRPr lang="en-US"/>
           </a:p>
@@ -1236,7 +1237,7 @@
           <a:p>
             <a:fld id="{5F42FD7F-75AC-4945-AADB-25D3D632370D}" type="slidenum">
               <a:rPr lang="en-US" smtClean="0"/>
-              <a:t>21</a:t>
+              <a:t>22</a:t>
             </a:fld>
             <a:endParaRPr lang="en-US"/>
           </a:p>
@@ -1320,7 +1321,7 @@
           <a:p>
             <a:fld id="{5F42FD7F-75AC-4945-AADB-25D3D632370D}" type="slidenum">
               <a:rPr lang="en-US" smtClean="0"/>
-              <a:t>22</a:t>
+              <a:t>23</a:t>
             </a:fld>
             <a:endParaRPr lang="en-US"/>
           </a:p>
@@ -1404,7 +1405,7 @@
           <a:p>
             <a:fld id="{5F42FD7F-75AC-4945-AADB-25D3D632370D}" type="slidenum">
               <a:rPr lang="en-US" smtClean="0"/>
-              <a:t>23</a:t>
+              <a:t>24</a:t>
             </a:fld>
             <a:endParaRPr lang="en-US"/>
           </a:p>
@@ -1575,7 +1576,7 @@
           <a:p>
             <a:fld id="{5F42FD7F-75AC-4945-AADB-25D3D632370D}" type="slidenum">
               <a:rPr lang="en-US" smtClean="0"/>
-              <a:t>24</a:t>
+              <a:t>25</a:t>
             </a:fld>
             <a:endParaRPr lang="en-US"/>
           </a:p>
@@ -1659,7 +1660,7 @@
           <a:p>
             <a:fld id="{5F42FD7F-75AC-4945-AADB-25D3D632370D}" type="slidenum">
               <a:rPr lang="en-US" smtClean="0"/>
-              <a:t>26</a:t>
+              <a:t>27</a:t>
             </a:fld>
             <a:endParaRPr lang="en-US"/>
           </a:p>
@@ -10501,6 +10502,214 @@
           <p:cNvPr id="2" name="Title 1">
             <a:extLst>
               <a:ext uri="{FF2B5EF4-FFF2-40B4-BE49-F238E27FC236}">
+                <a16:creationId xmlns:a16="http://schemas.microsoft.com/office/drawing/2014/main" id="{4321A83C-9475-4188-857F-6552A3E462A5}"/>
+              </a:ext>
+            </a:extLst>
+          </p:cNvPr>
+          <p:cNvSpPr>
+            <a:spLocks noGrp="1"/>
+          </p:cNvSpPr>
+          <p:nvPr>
+            <p:ph type="title"/>
+          </p:nvPr>
+        </p:nvSpPr>
+        <p:spPr/>
+        <p:txBody>
+          <a:bodyPr/>
+          <a:lstStyle/>
+          <a:p>
+            <a:r>
+              <a:rPr lang="en-US" dirty="0"/>
+              <a:t>What if my target language isn’t listed?</a:t>
+            </a:r>
+          </a:p>
+        </p:txBody>
+      </p:sp>
+      <p:sp>
+        <p:nvSpPr>
+          <p:cNvPr id="3" name="Content Placeholder 2">
+            <a:extLst>
+              <a:ext uri="{FF2B5EF4-FFF2-40B4-BE49-F238E27FC236}">
+                <a16:creationId xmlns:a16="http://schemas.microsoft.com/office/drawing/2014/main" id="{5EAF20A3-33E9-4053-8CB3-8036C5644863}"/>
+              </a:ext>
+            </a:extLst>
+          </p:cNvPr>
+          <p:cNvSpPr>
+            <a:spLocks noGrp="1"/>
+          </p:cNvSpPr>
+          <p:nvPr>
+            <p:ph idx="1"/>
+          </p:nvPr>
+        </p:nvSpPr>
+        <p:spPr/>
+        <p:txBody>
+          <a:bodyPr/>
+          <a:lstStyle/>
+          <a:p>
+            <a:r>
+              <a:rPr lang="en-US" dirty="0"/>
+              <a:t>Use </a:t>
+            </a:r>
+            <a:r>
+              <a:rPr lang="en-US" b="1" i="1" dirty="0"/>
+              <a:t>English demo1 </a:t>
+            </a:r>
+            <a:r>
+              <a:rPr lang="en-US" dirty="0"/>
+              <a:t>or </a:t>
+            </a:r>
+            <a:r>
+              <a:rPr lang="en-US" b="1" i="1" dirty="0"/>
+              <a:t>English demo2 </a:t>
+            </a:r>
+            <a:r>
+              <a:rPr lang="en-US" dirty="0"/>
+              <a:t>as the target language.</a:t>
+            </a:r>
+          </a:p>
+          <a:p>
+            <a:r>
+              <a:rPr lang="en-US" dirty="0"/>
+              <a:t>Send a request to add your target language:</a:t>
+            </a:r>
+          </a:p>
+        </p:txBody>
+      </p:sp>
+      <p:pic>
+        <p:nvPicPr>
+          <p:cNvPr id="4" name="Picture 3">
+            <a:extLst>
+              <a:ext uri="{FF2B5EF4-FFF2-40B4-BE49-F238E27FC236}">
+                <a16:creationId xmlns:a16="http://schemas.microsoft.com/office/drawing/2014/main" id="{7B90A163-04B8-462E-8D54-DC41E4480184}"/>
+              </a:ext>
+            </a:extLst>
+          </p:cNvPr>
+          <p:cNvPicPr/>
+          <p:nvPr/>
+        </p:nvPicPr>
+        <p:blipFill>
+          <a:blip r:embed="rId2"/>
+          <a:stretch>
+            <a:fillRect/>
+          </a:stretch>
+        </p:blipFill>
+        <p:spPr>
+          <a:xfrm>
+            <a:off x="7136448" y="3373754"/>
+            <a:ext cx="3952240" cy="2132965"/>
+          </a:xfrm>
+          <a:prstGeom prst="rect">
+            <a:avLst/>
+          </a:prstGeom>
+        </p:spPr>
+      </p:pic>
+      <p:pic>
+        <p:nvPicPr>
+          <p:cNvPr id="5" name="Picture 4">
+            <a:extLst>
+              <a:ext uri="{FF2B5EF4-FFF2-40B4-BE49-F238E27FC236}">
+                <a16:creationId xmlns:a16="http://schemas.microsoft.com/office/drawing/2014/main" id="{AD6C1CD1-A162-4D1F-9B5C-BB625E254B70}"/>
+              </a:ext>
+            </a:extLst>
+          </p:cNvPr>
+          <p:cNvPicPr>
+            <a:picLocks noChangeAspect="1"/>
+          </p:cNvPicPr>
+          <p:nvPr/>
+        </p:nvPicPr>
+        <p:blipFill>
+          <a:blip r:embed="rId3"/>
+          <a:stretch>
+            <a:fillRect/>
+          </a:stretch>
+        </p:blipFill>
+        <p:spPr>
+          <a:xfrm>
+            <a:off x="4124571" y="3373754"/>
+            <a:ext cx="1971429" cy="3342857"/>
+          </a:xfrm>
+          <a:prstGeom prst="rect">
+            <a:avLst/>
+          </a:prstGeom>
+        </p:spPr>
+      </p:pic>
+      <p:pic>
+        <p:nvPicPr>
+          <p:cNvPr id="7" name="Picture 6">
+            <a:extLst>
+              <a:ext uri="{FF2B5EF4-FFF2-40B4-BE49-F238E27FC236}">
+                <a16:creationId xmlns:a16="http://schemas.microsoft.com/office/drawing/2014/main" id="{ED9806BA-D1F3-4257-B399-32541D5C1DC0}"/>
+              </a:ext>
+            </a:extLst>
+          </p:cNvPr>
+          <p:cNvPicPr>
+            <a:picLocks noChangeAspect="1"/>
+          </p:cNvPicPr>
+          <p:nvPr/>
+        </p:nvPicPr>
+        <p:blipFill>
+          <a:blip r:embed="rId4"/>
+          <a:stretch>
+            <a:fillRect/>
+          </a:stretch>
+        </p:blipFill>
+        <p:spPr>
+          <a:xfrm>
+            <a:off x="2142147" y="3373754"/>
+            <a:ext cx="727025" cy="626746"/>
+          </a:xfrm>
+          <a:prstGeom prst="rect">
+            <a:avLst/>
+          </a:prstGeom>
+        </p:spPr>
+      </p:pic>
+    </p:spTree>
+    <p:extLst>
+      <p:ext uri="{BB962C8B-B14F-4D97-AF65-F5344CB8AC3E}">
+        <p14:creationId xmlns:p14="http://schemas.microsoft.com/office/powerpoint/2010/main" val="3758024057"/>
+      </p:ext>
+    </p:extLst>
+  </p:cSld>
+  <p:clrMapOvr>
+    <a:masterClrMapping/>
+  </p:clrMapOvr>
+  <mc:AlternateContent xmlns:mc="http://schemas.openxmlformats.org/markup-compatibility/2006" xmlns:p14="http://schemas.microsoft.com/office/powerpoint/2010/main">
+    <mc:Choice Requires="p14">
+      <p:transition spd="med" p14:dur="700">
+        <p:fade/>
+      </p:transition>
+    </mc:Choice>
+    <mc:Fallback xmlns="">
+      <p:transition spd="med">
+        <p:fade/>
+      </p:transition>
+    </mc:Fallback>
+  </mc:AlternateContent>
+</p:sld>
+</file>
+
+<file path=ppt/slides/slide15.xml><?xml version="1.0" encoding="utf-8"?>
+<p:sld xmlns:a="http://schemas.openxmlformats.org/drawingml/2006/main" xmlns:r="http://schemas.openxmlformats.org/officeDocument/2006/relationships" xmlns:p="http://schemas.openxmlformats.org/presentationml/2006/main">
+  <p:cSld>
+    <p:spTree>
+      <p:nvGrpSpPr>
+        <p:cNvPr id="1" name=""/>
+        <p:cNvGrpSpPr/>
+        <p:nvPr/>
+      </p:nvGrpSpPr>
+      <p:grpSpPr>
+        <a:xfrm>
+          <a:off x="0" y="0"/>
+          <a:ext cx="0" cy="0"/>
+          <a:chOff x="0" y="0"/>
+          <a:chExt cx="0" cy="0"/>
+        </a:xfrm>
+      </p:grpSpPr>
+      <p:sp>
+        <p:nvSpPr>
+          <p:cNvPr id="2" name="Title 1">
+            <a:extLst>
+              <a:ext uri="{FF2B5EF4-FFF2-40B4-BE49-F238E27FC236}">
                 <a16:creationId xmlns:a16="http://schemas.microsoft.com/office/drawing/2014/main" id="{7E42860E-347A-4485-9281-D4011F82F1E6}"/>
               </a:ext>
             </a:extLst>
@@ -11153,7 +11362,7 @@
 </p:sld>
 </file>
 
-<file path=ppt/slides/slide15.xml><?xml version="1.0" encoding="utf-8"?>
+<file path=ppt/slides/slide16.xml><?xml version="1.0" encoding="utf-8"?>
 <p:sld xmlns:a="http://schemas.openxmlformats.org/drawingml/2006/main" xmlns:r="http://schemas.openxmlformats.org/officeDocument/2006/relationships" xmlns:p="http://schemas.openxmlformats.org/presentationml/2006/main">
   <p:cSld>
     <p:spTree>
@@ -11400,7 +11609,7 @@
 </p:sld>
 </file>
 
-<file path=ppt/slides/slide16.xml><?xml version="1.0" encoding="utf-8"?>
+<file path=ppt/slides/slide17.xml><?xml version="1.0" encoding="utf-8"?>
 <p:sld xmlns:a="http://schemas.openxmlformats.org/drawingml/2006/main" xmlns:r="http://schemas.openxmlformats.org/officeDocument/2006/relationships" xmlns:p="http://schemas.openxmlformats.org/presentationml/2006/main">
   <p:cSld>
     <p:spTree>
@@ -11618,7 +11827,7 @@
 </p:sld>
 </file>
 
-<file path=ppt/slides/slide17.xml><?xml version="1.0" encoding="utf-8"?>
+<file path=ppt/slides/slide18.xml><?xml version="1.0" encoding="utf-8"?>
 <p:sld xmlns:a="http://schemas.openxmlformats.org/drawingml/2006/main" xmlns:r="http://schemas.openxmlformats.org/officeDocument/2006/relationships" xmlns:p="http://schemas.openxmlformats.org/presentationml/2006/main">
   <p:cSld>
     <p:spTree>
@@ -12602,7 +12811,7 @@
 </p:sld>
 </file>
 
-<file path=ppt/slides/slide18.xml><?xml version="1.0" encoding="utf-8"?>
+<file path=ppt/slides/slide19.xml><?xml version="1.0" encoding="utf-8"?>
 <p:sld xmlns:a="http://schemas.openxmlformats.org/drawingml/2006/main" xmlns:r="http://schemas.openxmlformats.org/officeDocument/2006/relationships" xmlns:p="http://schemas.openxmlformats.org/presentationml/2006/main">
   <p:cSld>
     <p:spTree>
@@ -12762,307 +12971,6 @@
     <p:extLst>
       <p:ext uri="{BB962C8B-B14F-4D97-AF65-F5344CB8AC3E}">
         <p14:creationId xmlns:p14="http://schemas.microsoft.com/office/powerpoint/2010/main" val="2660107354"/>
-      </p:ext>
-    </p:extLst>
-  </p:cSld>
-  <p:clrMapOvr>
-    <a:masterClrMapping/>
-  </p:clrMapOvr>
-  <mc:AlternateContent xmlns:mc="http://schemas.openxmlformats.org/markup-compatibility/2006" xmlns:p14="http://schemas.microsoft.com/office/powerpoint/2010/main">
-    <mc:Choice Requires="p14">
-      <p:transition spd="med" p14:dur="700">
-        <p:fade/>
-      </p:transition>
-    </mc:Choice>
-    <mc:Fallback xmlns="">
-      <p:transition spd="med">
-        <p:fade/>
-      </p:transition>
-    </mc:Fallback>
-  </mc:AlternateContent>
-</p:sld>
-</file>
-
-<file path=ppt/slides/slide19.xml><?xml version="1.0" encoding="utf-8"?>
-<p:sld xmlns:a="http://schemas.openxmlformats.org/drawingml/2006/main" xmlns:r="http://schemas.openxmlformats.org/officeDocument/2006/relationships" xmlns:p="http://schemas.openxmlformats.org/presentationml/2006/main">
-  <p:cSld>
-    <p:spTree>
-      <p:nvGrpSpPr>
-        <p:cNvPr id="1" name=""/>
-        <p:cNvGrpSpPr/>
-        <p:nvPr/>
-      </p:nvGrpSpPr>
-      <p:grpSpPr>
-        <a:xfrm>
-          <a:off x="0" y="0"/>
-          <a:ext cx="0" cy="0"/>
-          <a:chOff x="0" y="0"/>
-          <a:chExt cx="0" cy="0"/>
-        </a:xfrm>
-      </p:grpSpPr>
-      <p:sp>
-        <p:nvSpPr>
-          <p:cNvPr id="3" name="Content Placeholder 2">
-            <a:extLst>
-              <a:ext uri="{FF2B5EF4-FFF2-40B4-BE49-F238E27FC236}">
-                <a16:creationId xmlns:a16="http://schemas.microsoft.com/office/drawing/2014/main" id="{93B67D25-8E60-4E25-9BF0-5EBA24B7D6CC}"/>
-              </a:ext>
-            </a:extLst>
-          </p:cNvPr>
-          <p:cNvSpPr>
-            <a:spLocks noGrp="1"/>
-          </p:cNvSpPr>
-          <p:nvPr>
-            <p:ph idx="1"/>
-          </p:nvPr>
-        </p:nvSpPr>
-        <p:spPr>
-          <a:xfrm>
-            <a:off x="1346521" y="1853248"/>
-            <a:ext cx="10018713" cy="4367753"/>
-          </a:xfrm>
-        </p:spPr>
-        <p:txBody>
-          <a:bodyPr/>
-          <a:lstStyle/>
-          <a:p>
-            <a:pPr marL="514350" indent="-514350">
-              <a:buFont typeface="+mj-lt"/>
-              <a:buAutoNum type="arabicPeriod" startAt="3"/>
-            </a:pPr>
-            <a:r>
-              <a:rPr lang="en-US" sz="2800" dirty="0"/>
-              <a:t>Choose the target language</a:t>
-            </a:r>
-            <a:r>
-              <a:rPr lang="en-US" sz="2400" dirty="0"/>
-              <a:t>.</a:t>
-            </a:r>
-          </a:p>
-          <a:p>
-            <a:pPr lvl="1"/>
-            <a:r>
-              <a:rPr lang="en-US" sz="2400" dirty="0"/>
-              <a:t>For Notes or Questions projects, </a:t>
-            </a:r>
-            <a:r>
-              <a:rPr lang="en-US" sz="2400" b="1" dirty="0"/>
-              <a:t>must be same target language as the Text ULB</a:t>
-            </a:r>
-            <a:r>
-              <a:rPr lang="en-US" sz="2400" dirty="0"/>
-              <a:t> project you created during setup.</a:t>
-            </a:r>
-          </a:p>
-          <a:p>
-            <a:pPr lvl="1"/>
-            <a:r>
-              <a:rPr lang="en-US" sz="2400" dirty="0"/>
-              <a:t>You can use the search function.</a:t>
-            </a:r>
-          </a:p>
-          <a:p>
-            <a:pPr marL="514350" indent="-514350">
-              <a:buFont typeface="+mj-lt"/>
-              <a:buAutoNum type="arabicPeriod" startAt="2"/>
-            </a:pPr>
-            <a:endParaRPr lang="en-US" sz="2800" dirty="0"/>
-          </a:p>
-          <a:p>
-            <a:endParaRPr lang="en-US" sz="2800" dirty="0"/>
-          </a:p>
-        </p:txBody>
-      </p:sp>
-      <p:pic>
-        <p:nvPicPr>
-          <p:cNvPr id="5" name="Picture 4">
-            <a:extLst>
-              <a:ext uri="{FF2B5EF4-FFF2-40B4-BE49-F238E27FC236}">
-                <a16:creationId xmlns:a16="http://schemas.microsoft.com/office/drawing/2014/main" id="{BF62BFB6-DEE8-4571-908A-C76961547177}"/>
-              </a:ext>
-            </a:extLst>
-          </p:cNvPr>
-          <p:cNvPicPr>
-            <a:picLocks noChangeAspect="1"/>
-          </p:cNvPicPr>
-          <p:nvPr/>
-        </p:nvPicPr>
-        <p:blipFill>
-          <a:blip r:embed="rId3"/>
-          <a:stretch>
-            <a:fillRect/>
-          </a:stretch>
-        </p:blipFill>
-        <p:spPr>
-          <a:xfrm>
-            <a:off x="7529911" y="3330914"/>
-            <a:ext cx="3431313" cy="3469439"/>
-          </a:xfrm>
-          <a:prstGeom prst="rect">
-            <a:avLst/>
-          </a:prstGeom>
-        </p:spPr>
-      </p:pic>
-      <p:sp>
-        <p:nvSpPr>
-          <p:cNvPr id="6" name="Rectangle: Rounded Corners 5">
-            <a:extLst>
-              <a:ext uri="{FF2B5EF4-FFF2-40B4-BE49-F238E27FC236}">
-                <a16:creationId xmlns:a16="http://schemas.microsoft.com/office/drawing/2014/main" id="{8847456A-CB0E-4939-B022-C7997541F41C}"/>
-              </a:ext>
-            </a:extLst>
-          </p:cNvPr>
-          <p:cNvSpPr/>
-          <p:nvPr/>
-        </p:nvSpPr>
-        <p:spPr>
-          <a:xfrm>
-            <a:off x="7471588" y="3268468"/>
-            <a:ext cx="646471" cy="541947"/>
-          </a:xfrm>
-          <a:prstGeom prst="roundRect">
-            <a:avLst/>
-          </a:prstGeom>
-          <a:noFill/>
-          <a:ln w="38100">
-            <a:solidFill>
-              <a:srgbClr val="FF0000"/>
-            </a:solidFill>
-          </a:ln>
-        </p:spPr>
-        <p:style>
-          <a:lnRef idx="2">
-            <a:schemeClr val="accent1">
-              <a:shade val="50000"/>
-            </a:schemeClr>
-          </a:lnRef>
-          <a:fillRef idx="1">
-            <a:schemeClr val="accent1"/>
-          </a:fillRef>
-          <a:effectRef idx="0">
-            <a:schemeClr val="accent1"/>
-          </a:effectRef>
-          <a:fontRef idx="minor">
-            <a:schemeClr val="lt1"/>
-          </a:fontRef>
-        </p:style>
-        <p:txBody>
-          <a:bodyPr rtlCol="0" anchor="ctr"/>
-          <a:lstStyle/>
-          <a:p>
-            <a:pPr algn="ctr"/>
-            <a:endParaRPr lang="en-US"/>
-          </a:p>
-        </p:txBody>
-      </p:sp>
-      <p:sp>
-        <p:nvSpPr>
-          <p:cNvPr id="7" name="Rectangle: Rounded Corners 6">
-            <a:extLst>
-              <a:ext uri="{FF2B5EF4-FFF2-40B4-BE49-F238E27FC236}">
-                <a16:creationId xmlns:a16="http://schemas.microsoft.com/office/drawing/2014/main" id="{14D6B169-9E29-4961-AA5E-9CED27B98978}"/>
-              </a:ext>
-            </a:extLst>
-          </p:cNvPr>
-          <p:cNvSpPr/>
-          <p:nvPr/>
-        </p:nvSpPr>
-        <p:spPr>
-          <a:xfrm>
-            <a:off x="10474197" y="3330914"/>
-            <a:ext cx="371282" cy="439694"/>
-          </a:xfrm>
-          <a:prstGeom prst="roundRect">
-            <a:avLst/>
-          </a:prstGeom>
-          <a:noFill/>
-          <a:ln w="38100">
-            <a:solidFill>
-              <a:srgbClr val="FF0000"/>
-            </a:solidFill>
-          </a:ln>
-        </p:spPr>
-        <p:style>
-          <a:lnRef idx="2">
-            <a:schemeClr val="accent1">
-              <a:shade val="50000"/>
-            </a:schemeClr>
-          </a:lnRef>
-          <a:fillRef idx="1">
-            <a:schemeClr val="accent1"/>
-          </a:fillRef>
-          <a:effectRef idx="0">
-            <a:schemeClr val="accent1"/>
-          </a:effectRef>
-          <a:fontRef idx="minor">
-            <a:schemeClr val="lt1"/>
-          </a:fontRef>
-        </p:style>
-        <p:txBody>
-          <a:bodyPr rtlCol="0" anchor="ctr"/>
-          <a:lstStyle/>
-          <a:p>
-            <a:pPr algn="ctr"/>
-            <a:endParaRPr lang="en-US"/>
-          </a:p>
-        </p:txBody>
-      </p:sp>
-      <p:sp>
-        <p:nvSpPr>
-          <p:cNvPr id="10" name="Title 1">
-            <a:extLst>
-              <a:ext uri="{FF2B5EF4-FFF2-40B4-BE49-F238E27FC236}">
-                <a16:creationId xmlns:a16="http://schemas.microsoft.com/office/drawing/2014/main" id="{E0515E7D-7BC7-4861-9B6F-4DDEC17AF1C4}"/>
-              </a:ext>
-            </a:extLst>
-          </p:cNvPr>
-          <p:cNvSpPr>
-            <a:spLocks noGrp="1"/>
-          </p:cNvSpPr>
-          <p:nvPr>
-            <p:ph type="title"/>
-          </p:nvPr>
-        </p:nvSpPr>
-        <p:spPr>
-          <a:xfrm>
-            <a:off x="646111" y="452718"/>
-            <a:ext cx="9404723" cy="1400530"/>
-          </a:xfrm>
-        </p:spPr>
-        <p:txBody>
-          <a:bodyPr/>
-          <a:lstStyle/>
-          <a:p>
-            <a:r>
-              <a:rPr lang="en-US" dirty="0"/>
-              <a:t>Starting a </a:t>
-            </a:r>
-            <a:r>
-              <a:rPr lang="en-US" dirty="0">
-                <a:solidFill>
-                  <a:schemeClr val="tx1"/>
-                </a:solidFill>
-              </a:rPr>
-              <a:t>Resources </a:t>
-            </a:r>
-            <a:r>
-              <a:rPr lang="en-US" dirty="0"/>
-              <a:t>Project: </a:t>
-            </a:r>
-            <a:br>
-              <a:rPr lang="en-US" dirty="0"/>
-            </a:br>
-            <a:r>
-              <a:rPr lang="en-US" dirty="0"/>
-              <a:t>Step 3</a:t>
-            </a:r>
-          </a:p>
-        </p:txBody>
-      </p:sp>
-    </p:spTree>
-    <p:extLst>
-      <p:ext uri="{BB962C8B-B14F-4D97-AF65-F5344CB8AC3E}">
-        <p14:creationId xmlns:p14="http://schemas.microsoft.com/office/powerpoint/2010/main" val="3853295866"/>
       </p:ext>
     </p:extLst>
   </p:cSld>
@@ -13784,6 +13692,307 @@
         </p:nvSpPr>
         <p:spPr>
           <a:xfrm>
+            <a:off x="1346521" y="1853248"/>
+            <a:ext cx="10018713" cy="4367753"/>
+          </a:xfrm>
+        </p:spPr>
+        <p:txBody>
+          <a:bodyPr/>
+          <a:lstStyle/>
+          <a:p>
+            <a:pPr marL="514350" indent="-514350">
+              <a:buFont typeface="+mj-lt"/>
+              <a:buAutoNum type="arabicPeriod" startAt="3"/>
+            </a:pPr>
+            <a:r>
+              <a:rPr lang="en-US" sz="2800" dirty="0"/>
+              <a:t>Choose the target language</a:t>
+            </a:r>
+            <a:r>
+              <a:rPr lang="en-US" sz="2400" dirty="0"/>
+              <a:t>.</a:t>
+            </a:r>
+          </a:p>
+          <a:p>
+            <a:pPr lvl="1"/>
+            <a:r>
+              <a:rPr lang="en-US" sz="2400" dirty="0"/>
+              <a:t>For Notes or Questions projects, </a:t>
+            </a:r>
+            <a:r>
+              <a:rPr lang="en-US" sz="2400" b="1" dirty="0"/>
+              <a:t>must be same target language as the Text ULB</a:t>
+            </a:r>
+            <a:r>
+              <a:rPr lang="en-US" sz="2400" dirty="0"/>
+              <a:t> project you created during setup.</a:t>
+            </a:r>
+          </a:p>
+          <a:p>
+            <a:pPr lvl="1"/>
+            <a:r>
+              <a:rPr lang="en-US" sz="2400" dirty="0"/>
+              <a:t>You can use the search function.</a:t>
+            </a:r>
+          </a:p>
+          <a:p>
+            <a:pPr marL="514350" indent="-514350">
+              <a:buFont typeface="+mj-lt"/>
+              <a:buAutoNum type="arabicPeriod" startAt="2"/>
+            </a:pPr>
+            <a:endParaRPr lang="en-US" sz="2800" dirty="0"/>
+          </a:p>
+          <a:p>
+            <a:endParaRPr lang="en-US" sz="2800" dirty="0"/>
+          </a:p>
+        </p:txBody>
+      </p:sp>
+      <p:pic>
+        <p:nvPicPr>
+          <p:cNvPr id="5" name="Picture 4">
+            <a:extLst>
+              <a:ext uri="{FF2B5EF4-FFF2-40B4-BE49-F238E27FC236}">
+                <a16:creationId xmlns:a16="http://schemas.microsoft.com/office/drawing/2014/main" id="{BF62BFB6-DEE8-4571-908A-C76961547177}"/>
+              </a:ext>
+            </a:extLst>
+          </p:cNvPr>
+          <p:cNvPicPr>
+            <a:picLocks noChangeAspect="1"/>
+          </p:cNvPicPr>
+          <p:nvPr/>
+        </p:nvPicPr>
+        <p:blipFill>
+          <a:blip r:embed="rId3"/>
+          <a:stretch>
+            <a:fillRect/>
+          </a:stretch>
+        </p:blipFill>
+        <p:spPr>
+          <a:xfrm>
+            <a:off x="7529911" y="3330914"/>
+            <a:ext cx="3431313" cy="3469439"/>
+          </a:xfrm>
+          <a:prstGeom prst="rect">
+            <a:avLst/>
+          </a:prstGeom>
+        </p:spPr>
+      </p:pic>
+      <p:sp>
+        <p:nvSpPr>
+          <p:cNvPr id="6" name="Rectangle: Rounded Corners 5">
+            <a:extLst>
+              <a:ext uri="{FF2B5EF4-FFF2-40B4-BE49-F238E27FC236}">
+                <a16:creationId xmlns:a16="http://schemas.microsoft.com/office/drawing/2014/main" id="{8847456A-CB0E-4939-B022-C7997541F41C}"/>
+              </a:ext>
+            </a:extLst>
+          </p:cNvPr>
+          <p:cNvSpPr/>
+          <p:nvPr/>
+        </p:nvSpPr>
+        <p:spPr>
+          <a:xfrm>
+            <a:off x="7471588" y="3268468"/>
+            <a:ext cx="646471" cy="541947"/>
+          </a:xfrm>
+          <a:prstGeom prst="roundRect">
+            <a:avLst/>
+          </a:prstGeom>
+          <a:noFill/>
+          <a:ln w="38100">
+            <a:solidFill>
+              <a:srgbClr val="FF0000"/>
+            </a:solidFill>
+          </a:ln>
+        </p:spPr>
+        <p:style>
+          <a:lnRef idx="2">
+            <a:schemeClr val="accent1">
+              <a:shade val="50000"/>
+            </a:schemeClr>
+          </a:lnRef>
+          <a:fillRef idx="1">
+            <a:schemeClr val="accent1"/>
+          </a:fillRef>
+          <a:effectRef idx="0">
+            <a:schemeClr val="accent1"/>
+          </a:effectRef>
+          <a:fontRef idx="minor">
+            <a:schemeClr val="lt1"/>
+          </a:fontRef>
+        </p:style>
+        <p:txBody>
+          <a:bodyPr rtlCol="0" anchor="ctr"/>
+          <a:lstStyle/>
+          <a:p>
+            <a:pPr algn="ctr"/>
+            <a:endParaRPr lang="en-US"/>
+          </a:p>
+        </p:txBody>
+      </p:sp>
+      <p:sp>
+        <p:nvSpPr>
+          <p:cNvPr id="7" name="Rectangle: Rounded Corners 6">
+            <a:extLst>
+              <a:ext uri="{FF2B5EF4-FFF2-40B4-BE49-F238E27FC236}">
+                <a16:creationId xmlns:a16="http://schemas.microsoft.com/office/drawing/2014/main" id="{14D6B169-9E29-4961-AA5E-9CED27B98978}"/>
+              </a:ext>
+            </a:extLst>
+          </p:cNvPr>
+          <p:cNvSpPr/>
+          <p:nvPr/>
+        </p:nvSpPr>
+        <p:spPr>
+          <a:xfrm>
+            <a:off x="10474197" y="3330914"/>
+            <a:ext cx="371282" cy="439694"/>
+          </a:xfrm>
+          <a:prstGeom prst="roundRect">
+            <a:avLst/>
+          </a:prstGeom>
+          <a:noFill/>
+          <a:ln w="38100">
+            <a:solidFill>
+              <a:srgbClr val="FF0000"/>
+            </a:solidFill>
+          </a:ln>
+        </p:spPr>
+        <p:style>
+          <a:lnRef idx="2">
+            <a:schemeClr val="accent1">
+              <a:shade val="50000"/>
+            </a:schemeClr>
+          </a:lnRef>
+          <a:fillRef idx="1">
+            <a:schemeClr val="accent1"/>
+          </a:fillRef>
+          <a:effectRef idx="0">
+            <a:schemeClr val="accent1"/>
+          </a:effectRef>
+          <a:fontRef idx="minor">
+            <a:schemeClr val="lt1"/>
+          </a:fontRef>
+        </p:style>
+        <p:txBody>
+          <a:bodyPr rtlCol="0" anchor="ctr"/>
+          <a:lstStyle/>
+          <a:p>
+            <a:pPr algn="ctr"/>
+            <a:endParaRPr lang="en-US"/>
+          </a:p>
+        </p:txBody>
+      </p:sp>
+      <p:sp>
+        <p:nvSpPr>
+          <p:cNvPr id="10" name="Title 1">
+            <a:extLst>
+              <a:ext uri="{FF2B5EF4-FFF2-40B4-BE49-F238E27FC236}">
+                <a16:creationId xmlns:a16="http://schemas.microsoft.com/office/drawing/2014/main" id="{E0515E7D-7BC7-4861-9B6F-4DDEC17AF1C4}"/>
+              </a:ext>
+            </a:extLst>
+          </p:cNvPr>
+          <p:cNvSpPr>
+            <a:spLocks noGrp="1"/>
+          </p:cNvSpPr>
+          <p:nvPr>
+            <p:ph type="title"/>
+          </p:nvPr>
+        </p:nvSpPr>
+        <p:spPr>
+          <a:xfrm>
+            <a:off x="646111" y="452718"/>
+            <a:ext cx="9404723" cy="1400530"/>
+          </a:xfrm>
+        </p:spPr>
+        <p:txBody>
+          <a:bodyPr/>
+          <a:lstStyle/>
+          <a:p>
+            <a:r>
+              <a:rPr lang="en-US" dirty="0"/>
+              <a:t>Starting a </a:t>
+            </a:r>
+            <a:r>
+              <a:rPr lang="en-US" dirty="0">
+                <a:solidFill>
+                  <a:schemeClr val="tx1"/>
+                </a:solidFill>
+              </a:rPr>
+              <a:t>Resources </a:t>
+            </a:r>
+            <a:r>
+              <a:rPr lang="en-US" dirty="0"/>
+              <a:t>Project: </a:t>
+            </a:r>
+            <a:br>
+              <a:rPr lang="en-US" dirty="0"/>
+            </a:br>
+            <a:r>
+              <a:rPr lang="en-US" dirty="0"/>
+              <a:t>Step 3</a:t>
+            </a:r>
+          </a:p>
+        </p:txBody>
+      </p:sp>
+    </p:spTree>
+    <p:extLst>
+      <p:ext uri="{BB962C8B-B14F-4D97-AF65-F5344CB8AC3E}">
+        <p14:creationId xmlns:p14="http://schemas.microsoft.com/office/powerpoint/2010/main" val="3853295866"/>
+      </p:ext>
+    </p:extLst>
+  </p:cSld>
+  <p:clrMapOvr>
+    <a:masterClrMapping/>
+  </p:clrMapOvr>
+  <mc:AlternateContent xmlns:mc="http://schemas.openxmlformats.org/markup-compatibility/2006" xmlns:p14="http://schemas.microsoft.com/office/powerpoint/2010/main">
+    <mc:Choice Requires="p14">
+      <p:transition spd="med" p14:dur="700">
+        <p:fade/>
+      </p:transition>
+    </mc:Choice>
+    <mc:Fallback xmlns="">
+      <p:transition spd="med">
+        <p:fade/>
+      </p:transition>
+    </mc:Fallback>
+  </mc:AlternateContent>
+</p:sld>
+</file>
+
+<file path=ppt/slides/slide21.xml><?xml version="1.0" encoding="utf-8"?>
+<p:sld xmlns:a="http://schemas.openxmlformats.org/drawingml/2006/main" xmlns:r="http://schemas.openxmlformats.org/officeDocument/2006/relationships" xmlns:p="http://schemas.openxmlformats.org/presentationml/2006/main">
+  <p:cSld>
+    <p:spTree>
+      <p:nvGrpSpPr>
+        <p:cNvPr id="1" name=""/>
+        <p:cNvGrpSpPr/>
+        <p:nvPr/>
+      </p:nvGrpSpPr>
+      <p:grpSpPr>
+        <a:xfrm>
+          <a:off x="0" y="0"/>
+          <a:ext cx="0" cy="0"/>
+          <a:chOff x="0" y="0"/>
+          <a:chExt cx="0" cy="0"/>
+        </a:xfrm>
+      </p:grpSpPr>
+      <p:sp>
+        <p:nvSpPr>
+          <p:cNvPr id="3" name="Content Placeholder 2">
+            <a:extLst>
+              <a:ext uri="{FF2B5EF4-FFF2-40B4-BE49-F238E27FC236}">
+                <a16:creationId xmlns:a16="http://schemas.microsoft.com/office/drawing/2014/main" id="{93B67D25-8E60-4E25-9BF0-5EBA24B7D6CC}"/>
+              </a:ext>
+            </a:extLst>
+          </p:cNvPr>
+          <p:cNvSpPr>
+            <a:spLocks noGrp="1"/>
+          </p:cNvSpPr>
+          <p:nvPr>
+            <p:ph idx="1"/>
+          </p:nvPr>
+        </p:nvSpPr>
+        <p:spPr>
+          <a:xfrm>
             <a:off x="1411158" y="1853248"/>
             <a:ext cx="10134731" cy="4367753"/>
           </a:xfrm>
@@ -14457,7 +14666,7 @@
 </p:sld>
 </file>
 
-<file path=ppt/slides/slide21.xml><?xml version="1.0" encoding="utf-8"?>
+<file path=ppt/slides/slide22.xml><?xml version="1.0" encoding="utf-8"?>
 <p:sld xmlns:a="http://schemas.openxmlformats.org/drawingml/2006/main" xmlns:r="http://schemas.openxmlformats.org/officeDocument/2006/relationships" xmlns:p="http://schemas.openxmlformats.org/presentationml/2006/main">
   <p:cSld>
     <p:spTree>
@@ -14629,7 +14838,7 @@
 </p:sld>
 </file>
 
-<file path=ppt/slides/slide22.xml><?xml version="1.0" encoding="utf-8"?>
+<file path=ppt/slides/slide23.xml><?xml version="1.0" encoding="utf-8"?>
 <p:sld xmlns:a="http://schemas.openxmlformats.org/drawingml/2006/main" xmlns:r="http://schemas.openxmlformats.org/officeDocument/2006/relationships" xmlns:p="http://schemas.openxmlformats.org/presentationml/2006/main">
   <p:cSld>
     <p:spTree>
@@ -14785,7 +14994,7 @@
 </p:sld>
 </file>
 
-<file path=ppt/slides/slide23.xml><?xml version="1.0" encoding="utf-8"?>
+<file path=ppt/slides/slide24.xml><?xml version="1.0" encoding="utf-8"?>
 <p:sld xmlns:a="http://schemas.openxmlformats.org/drawingml/2006/main" xmlns:r="http://schemas.openxmlformats.org/officeDocument/2006/relationships" xmlns:p="http://schemas.openxmlformats.org/presentationml/2006/main">
   <p:cSld>
     <p:spTree>
@@ -15144,7 +15353,7 @@
 </p:sld>
 </file>
 
-<file path=ppt/slides/slide24.xml><?xml version="1.0" encoding="utf-8"?>
+<file path=ppt/slides/slide25.xml><?xml version="1.0" encoding="utf-8"?>
 <p:sld xmlns:a="http://schemas.openxmlformats.org/drawingml/2006/main" xmlns:r="http://schemas.openxmlformats.org/officeDocument/2006/relationships" xmlns:p="http://schemas.openxmlformats.org/presentationml/2006/main">
   <p:cSld>
     <p:spTree>
@@ -15503,7 +15712,7 @@
 </p:sld>
 </file>
 
-<file path=ppt/slides/slide25.xml><?xml version="1.0" encoding="utf-8"?>
+<file path=ppt/slides/slide26.xml><?xml version="1.0" encoding="utf-8"?>
 <p:sld xmlns:a="http://schemas.openxmlformats.org/drawingml/2006/main" xmlns:r="http://schemas.openxmlformats.org/officeDocument/2006/relationships" xmlns:p="http://schemas.openxmlformats.org/presentationml/2006/main">
   <p:cSld>
     <p:spTree>
@@ -16061,7 +16270,7 @@
 </p:sld>
 </file>
 
-<file path=ppt/slides/slide26.xml><?xml version="1.0" encoding="utf-8"?>
+<file path=ppt/slides/slide27.xml><?xml version="1.0" encoding="utf-8"?>
 <p:sld xmlns:a="http://schemas.openxmlformats.org/drawingml/2006/main" xmlns:r="http://schemas.openxmlformats.org/officeDocument/2006/relationships" xmlns:p="http://schemas.openxmlformats.org/presentationml/2006/main">
   <p:cSld>
     <p:spTree>
@@ -22456,18 +22665,18 @@
 </file>
 
 <file path=customXml/item1.xml><?xml version="1.0" encoding="utf-8"?>
-<p:properties xmlns:p="http://schemas.microsoft.com/office/2006/metadata/properties" xmlns:xsi="http://www.w3.org/2001/XMLSchema-instance" xmlns:pc="http://schemas.microsoft.com/office/infopath/2007/PartnerControls">
-  <documentManagement/>
-</p:properties>
-</file>
-
-<file path=customXml/item2.xml><?xml version="1.0" encoding="utf-8"?>
 <?mso-contentType ?>
 <FormTemplates xmlns="http://schemas.microsoft.com/sharepoint/v3/contenttype/forms">
   <Display>DocumentLibraryForm</Display>
   <Edit>DocumentLibraryForm</Edit>
   <New>DocumentLibraryForm</New>
 </FormTemplates>
+</file>
+
+<file path=customXml/item2.xml><?xml version="1.0" encoding="utf-8"?>
+<p:properties xmlns:p="http://schemas.microsoft.com/office/2006/metadata/properties" xmlns:xsi="http://www.w3.org/2001/XMLSchema-instance" xmlns:pc="http://schemas.microsoft.com/office/infopath/2007/PartnerControls">
+  <documentManagement/>
+</p:properties>
 </file>
 
 <file path=customXml/item3.xml><?xml version="1.0" encoding="utf-8"?>
@@ -22688,26 +22897,26 @@
 </file>
 
 <file path=customXml/itemProps1.xml><?xml version="1.0" encoding="utf-8"?>
-<ds:datastoreItem xmlns:ds="http://schemas.openxmlformats.org/officeDocument/2006/customXml" ds:itemID="{D6405D58-8AA8-4FB2-A549-3AE7234CE79B}">
+<ds:datastoreItem xmlns:ds="http://schemas.openxmlformats.org/officeDocument/2006/customXml" ds:itemID="{64CFF4CB-2157-4462-882E-7C7509AE6A60}">
   <ds:schemaRefs>
-    <ds:schemaRef ds:uri="http://schemas.microsoft.com/office/2006/documentManagement/types"/>
-    <ds:schemaRef ds:uri="http://schemas.microsoft.com/office/infopath/2007/PartnerControls"/>
-    <ds:schemaRef ds:uri="http://schemas.microsoft.com/office/2006/metadata/properties"/>
-    <ds:schemaRef ds:uri="http://purl.org/dc/elements/1.1/"/>
-    <ds:schemaRef ds:uri="e6b6b08c-4e37-4703-b140-b9e21b970c4f"/>
-    <ds:schemaRef ds:uri="http://purl.org/dc/terms/"/>
-    <ds:schemaRef ds:uri="http://www.w3.org/XML/1998/namespace"/>
-    <ds:schemaRef ds:uri="http://schemas.openxmlformats.org/package/2006/metadata/core-properties"/>
-    <ds:schemaRef ds:uri="63ebc9d3-73c5-43d0-b794-270dc3c2d1a0"/>
-    <ds:schemaRef ds:uri="http://purl.org/dc/dcmitype/"/>
+    <ds:schemaRef ds:uri="http://schemas.microsoft.com/sharepoint/v3/contenttype/forms"/>
   </ds:schemaRefs>
 </ds:datastoreItem>
 </file>
 
 <file path=customXml/itemProps2.xml><?xml version="1.0" encoding="utf-8"?>
-<ds:datastoreItem xmlns:ds="http://schemas.openxmlformats.org/officeDocument/2006/customXml" ds:itemID="{64CFF4CB-2157-4462-882E-7C7509AE6A60}">
+<ds:datastoreItem xmlns:ds="http://schemas.openxmlformats.org/officeDocument/2006/customXml" ds:itemID="{D6405D58-8AA8-4FB2-A549-3AE7234CE79B}">
   <ds:schemaRefs>
-    <ds:schemaRef ds:uri="http://schemas.microsoft.com/sharepoint/v3/contenttype/forms"/>
+    <ds:schemaRef ds:uri="http://purl.org/dc/terms/"/>
+    <ds:schemaRef ds:uri="http://schemas.microsoft.com/office/2006/documentManagement/types"/>
+    <ds:schemaRef ds:uri="http://purl.org/dc/dcmitype/"/>
+    <ds:schemaRef ds:uri="http://schemas.microsoft.com/office/infopath/2007/PartnerControls"/>
+    <ds:schemaRef ds:uri="http://schemas.openxmlformats.org/package/2006/metadata/core-properties"/>
+    <ds:schemaRef ds:uri="http://purl.org/dc/elements/1.1/"/>
+    <ds:schemaRef ds:uri="http://schemas.microsoft.com/office/2006/metadata/properties"/>
+    <ds:schemaRef ds:uri="63ebc9d3-73c5-43d0-b794-270dc3c2d1a0"/>
+    <ds:schemaRef ds:uri="e6b6b08c-4e37-4703-b140-b9e21b970c4f"/>
+    <ds:schemaRef ds:uri="http://www.w3.org/XML/1998/namespace"/>
   </ds:schemaRefs>
 </ds:datastoreItem>
 </file>
